--- a/Part2/TableLambda.pptx
+++ b/Part2/TableLambda.pptx
@@ -6,6 +6,7 @@
   </p:sldMasterIdLst>
   <p:sldIdLst>
     <p:sldId id="257" r:id="rId2"/>
+    <p:sldId id="258" r:id="rId3"/>
   </p:sldIdLst>
   <p:sldSz cx="9144000" cy="6858000" type="screen4x3"/>
   <p:notesSz cx="6858000" cy="9144000"/>
@@ -289,7 +290,7 @@
             <a:fld id="{637FB51B-8EC6-4718-8797-2C14652FC0E2}" type="datetimeFigureOut">
               <a:rPr lang="en-US" smtClean="0"/>
               <a:pPr/>
-              <a:t>28-Nov-17</a:t>
+              <a:t>30-Nov-17</a:t>
             </a:fld>
             <a:endParaRPr lang="en-US"/>
           </a:p>
@@ -456,7 +457,7 @@
             <a:fld id="{637FB51B-8EC6-4718-8797-2C14652FC0E2}" type="datetimeFigureOut">
               <a:rPr lang="en-US" smtClean="0"/>
               <a:pPr/>
-              <a:t>28-Nov-17</a:t>
+              <a:t>30-Nov-17</a:t>
             </a:fld>
             <a:endParaRPr lang="en-US"/>
           </a:p>
@@ -633,7 +634,7 @@
             <a:fld id="{637FB51B-8EC6-4718-8797-2C14652FC0E2}" type="datetimeFigureOut">
               <a:rPr lang="en-US" smtClean="0"/>
               <a:pPr/>
-              <a:t>28-Nov-17</a:t>
+              <a:t>30-Nov-17</a:t>
             </a:fld>
             <a:endParaRPr lang="en-US"/>
           </a:p>
@@ -800,7 +801,7 @@
             <a:fld id="{637FB51B-8EC6-4718-8797-2C14652FC0E2}" type="datetimeFigureOut">
               <a:rPr lang="en-US" smtClean="0"/>
               <a:pPr/>
-              <a:t>28-Nov-17</a:t>
+              <a:t>30-Nov-17</a:t>
             </a:fld>
             <a:endParaRPr lang="en-US"/>
           </a:p>
@@ -1043,7 +1044,7 @@
             <a:fld id="{637FB51B-8EC6-4718-8797-2C14652FC0E2}" type="datetimeFigureOut">
               <a:rPr lang="en-US" smtClean="0"/>
               <a:pPr/>
-              <a:t>28-Nov-17</a:t>
+              <a:t>30-Nov-17</a:t>
             </a:fld>
             <a:endParaRPr lang="en-US"/>
           </a:p>
@@ -1328,7 +1329,7 @@
             <a:fld id="{637FB51B-8EC6-4718-8797-2C14652FC0E2}" type="datetimeFigureOut">
               <a:rPr lang="en-US" smtClean="0"/>
               <a:pPr/>
-              <a:t>28-Nov-17</a:t>
+              <a:t>30-Nov-17</a:t>
             </a:fld>
             <a:endParaRPr lang="en-US"/>
           </a:p>
@@ -1747,7 +1748,7 @@
             <a:fld id="{637FB51B-8EC6-4718-8797-2C14652FC0E2}" type="datetimeFigureOut">
               <a:rPr lang="en-US" smtClean="0"/>
               <a:pPr/>
-              <a:t>28-Nov-17</a:t>
+              <a:t>30-Nov-17</a:t>
             </a:fld>
             <a:endParaRPr lang="en-US"/>
           </a:p>
@@ -1862,7 +1863,7 @@
             <a:fld id="{637FB51B-8EC6-4718-8797-2C14652FC0E2}" type="datetimeFigureOut">
               <a:rPr lang="en-US" smtClean="0"/>
               <a:pPr/>
-              <a:t>28-Nov-17</a:t>
+              <a:t>30-Nov-17</a:t>
             </a:fld>
             <a:endParaRPr lang="en-US"/>
           </a:p>
@@ -1954,7 +1955,7 @@
             <a:fld id="{637FB51B-8EC6-4718-8797-2C14652FC0E2}" type="datetimeFigureOut">
               <a:rPr lang="en-US" smtClean="0"/>
               <a:pPr/>
-              <a:t>28-Nov-17</a:t>
+              <a:t>30-Nov-17</a:t>
             </a:fld>
             <a:endParaRPr lang="en-US"/>
           </a:p>
@@ -2228,7 +2229,7 @@
             <a:fld id="{637FB51B-8EC6-4718-8797-2C14652FC0E2}" type="datetimeFigureOut">
               <a:rPr lang="en-US" smtClean="0"/>
               <a:pPr/>
-              <a:t>28-Nov-17</a:t>
+              <a:t>30-Nov-17</a:t>
             </a:fld>
             <a:endParaRPr lang="en-US"/>
           </a:p>
@@ -2478,7 +2479,7 @@
             <a:fld id="{637FB51B-8EC6-4718-8797-2C14652FC0E2}" type="datetimeFigureOut">
               <a:rPr lang="en-US" smtClean="0"/>
               <a:pPr/>
-              <a:t>28-Nov-17</a:t>
+              <a:t>30-Nov-17</a:t>
             </a:fld>
             <a:endParaRPr lang="en-US"/>
           </a:p>
@@ -2688,7 +2689,7 @@
             <a:fld id="{637FB51B-8EC6-4718-8797-2C14652FC0E2}" type="datetimeFigureOut">
               <a:rPr lang="en-US" smtClean="0"/>
               <a:pPr/>
-              <a:t>28-Nov-17</a:t>
+              <a:t>30-Nov-17</a:t>
             </a:fld>
             <a:endParaRPr lang="en-US"/>
           </a:p>
@@ -4326,6 +4327,925 @@
 </p:sld>
 </file>
 
+<file path=ppt/slides/slide2.xml><?xml version="1.0" encoding="utf-8"?>
+<p:sld xmlns:a="http://schemas.openxmlformats.org/drawingml/2006/main" xmlns:r="http://schemas.openxmlformats.org/officeDocument/2006/relationships" xmlns:p="http://schemas.openxmlformats.org/presentationml/2006/main">
+  <p:cSld>
+    <p:spTree>
+      <p:nvGrpSpPr>
+        <p:cNvPr id="1" name=""/>
+        <p:cNvGrpSpPr/>
+        <p:nvPr/>
+      </p:nvGrpSpPr>
+      <p:grpSpPr>
+        <a:xfrm>
+          <a:off x="0" y="0"/>
+          <a:ext cx="0" cy="0"/>
+          <a:chOff x="0" y="0"/>
+          <a:chExt cx="0" cy="0"/>
+        </a:xfrm>
+      </p:grpSpPr>
+      <p:graphicFrame>
+        <p:nvGraphicFramePr>
+          <p:cNvPr id="4" name="Table 3"/>
+          <p:cNvGraphicFramePr>
+            <a:graphicFrameLocks noGrp="1"/>
+          </p:cNvGraphicFramePr>
+          <p:nvPr/>
+        </p:nvGraphicFramePr>
+        <p:xfrm>
+          <a:off x="1142996" y="609600"/>
+          <a:ext cx="6096005" cy="5496560"/>
+        </p:xfrm>
+        <a:graphic>
+          <a:graphicData uri="http://schemas.openxmlformats.org/drawingml/2006/table">
+            <a:tbl>
+              <a:tblPr firstRow="1" bandRow="1">
+                <a:tableStyleId>{9D7B26C5-4107-4FEC-AEDC-1716B250A1EF}</a:tableStyleId>
+              </a:tblPr>
+              <a:tblGrid>
+                <a:gridCol w="1524003"/>
+                <a:gridCol w="1367694"/>
+                <a:gridCol w="1328616"/>
+                <a:gridCol w="1875692"/>
+              </a:tblGrid>
+              <a:tr h="370840">
+                <a:tc>
+                  <a:txBody>
+                    <a:bodyPr/>
+                    <a:lstStyle/>
+                    <a:p>
+                      <a:pPr algn="ctr"/>
+                      <a:endParaRPr lang="en-US" dirty="0"/>
+                    </a:p>
+                  </a:txBody>
+                  <a:tcPr anchor="ctr"/>
+                </a:tc>
+                <a:tc>
+                  <a:txBody>
+                    <a:bodyPr/>
+                    <a:lstStyle/>
+                    <a:p>
+                      <a:pPr algn="ctr"/>
+                      <a:r>
+                        <a:rPr lang="en-US" dirty="0" err="1" smtClean="0"/>
+                        <a:t>PosX</a:t>
+                      </a:r>
+                      <a:endParaRPr lang="en-US" dirty="0"/>
+                    </a:p>
+                  </a:txBody>
+                  <a:tcPr anchor="ctr"/>
+                </a:tc>
+                <a:tc>
+                  <a:txBody>
+                    <a:bodyPr/>
+                    <a:lstStyle/>
+                    <a:p>
+                      <a:pPr algn="ctr"/>
+                      <a:r>
+                        <a:rPr lang="en-US" dirty="0" err="1" smtClean="0"/>
+                        <a:t>PosY</a:t>
+                      </a:r>
+                      <a:endParaRPr lang="en-US" dirty="0"/>
+                    </a:p>
+                  </a:txBody>
+                  <a:tcPr anchor="ctr"/>
+                </a:tc>
+                <a:tc>
+                  <a:txBody>
+                    <a:bodyPr/>
+                    <a:lstStyle/>
+                    <a:p>
+                      <a:pPr algn="ctr"/>
+                      <a:r>
+                        <a:rPr lang="en-US" dirty="0" err="1" smtClean="0"/>
+                        <a:t>Hyperparameters</a:t>
+                      </a:r>
+                      <a:endParaRPr lang="en-US" dirty="0"/>
+                    </a:p>
+                  </a:txBody>
+                  <a:tcPr anchor="ctr"/>
+                </a:tc>
+              </a:tr>
+              <a:tr h="370840">
+                <a:tc>
+                  <a:txBody>
+                    <a:bodyPr/>
+                    <a:lstStyle/>
+                    <a:p>
+                      <a:pPr algn="ctr"/>
+                      <a:r>
+                        <a:rPr lang="en-US" dirty="0" smtClean="0"/>
+                        <a:t>Linear</a:t>
+                      </a:r>
+                      <a:r>
+                        <a:rPr lang="en-US" baseline="0" dirty="0" smtClean="0"/>
+                        <a:t> /</a:t>
+                      </a:r>
+                    </a:p>
+                    <a:p>
+                      <a:pPr algn="ctr"/>
+                      <a:r>
+                        <a:rPr lang="en-US" baseline="0" dirty="0" smtClean="0"/>
+                        <a:t>All PCs</a:t>
+                      </a:r>
+                      <a:endParaRPr lang="en-US" dirty="0"/>
+                    </a:p>
+                  </a:txBody>
+                  <a:tcPr anchor="ctr"/>
+                </a:tc>
+                <a:tc>
+                  <a:txBody>
+                    <a:bodyPr/>
+                    <a:lstStyle/>
+                    <a:p>
+                      <a:pPr algn="ctr"/>
+                      <a:r>
+                        <a:rPr lang="en-US" dirty="0" smtClean="0"/>
+                        <a:t>6.2801e-04</a:t>
+                      </a:r>
+                      <a:endParaRPr lang="en-US" dirty="0"/>
+                    </a:p>
+                  </a:txBody>
+                  <a:tcPr anchor="ctr"/>
+                </a:tc>
+                <a:tc>
+                  <a:txBody>
+                    <a:bodyPr/>
+                    <a:lstStyle/>
+                    <a:p>
+                      <a:pPr algn="ctr"/>
+                      <a:r>
+                        <a:rPr lang="en-US" dirty="0" smtClean="0"/>
+                        <a:t>3.1847e-04</a:t>
+                      </a:r>
+                      <a:endParaRPr lang="en-US" dirty="0"/>
+                    </a:p>
+                  </a:txBody>
+                  <a:tcPr anchor="ctr"/>
+                </a:tc>
+                <a:tc>
+                  <a:txBody>
+                    <a:bodyPr/>
+                    <a:lstStyle/>
+                    <a:p>
+                      <a:pPr algn="ctr"/>
+                      <a:r>
+                        <a:rPr lang="en-US" dirty="0" smtClean="0"/>
+                        <a:t>-</a:t>
+                      </a:r>
+                      <a:endParaRPr lang="en-US" dirty="0"/>
+                    </a:p>
+                  </a:txBody>
+                  <a:tcPr anchor="ctr"/>
+                </a:tc>
+              </a:tr>
+              <a:tr h="370840">
+                <a:tc>
+                  <a:txBody>
+                    <a:bodyPr/>
+                    <a:lstStyle/>
+                    <a:p>
+                      <a:pPr algn="ctr"/>
+                      <a:r>
+                        <a:rPr lang="en-US" dirty="0" smtClean="0"/>
+                        <a:t>2</a:t>
+                      </a:r>
+                      <a:r>
+                        <a:rPr lang="en-US" baseline="30000" dirty="0" smtClean="0"/>
+                        <a:t>nd</a:t>
+                      </a:r>
+                      <a:r>
+                        <a:rPr lang="en-US" dirty="0" smtClean="0"/>
+                        <a:t> Order</a:t>
+                      </a:r>
+                      <a:r>
+                        <a:rPr lang="en-US" baseline="0" dirty="0" smtClean="0"/>
+                        <a:t> /</a:t>
+                      </a:r>
+                    </a:p>
+                    <a:p>
+                      <a:pPr algn="ctr"/>
+                      <a:r>
+                        <a:rPr lang="en-US" baseline="0" dirty="0" smtClean="0"/>
+                        <a:t>All PCs</a:t>
+                      </a:r>
+                      <a:endParaRPr lang="en-US" dirty="0"/>
+                    </a:p>
+                  </a:txBody>
+                  <a:tcPr anchor="ctr"/>
+                </a:tc>
+                <a:tc>
+                  <a:txBody>
+                    <a:bodyPr/>
+                    <a:lstStyle/>
+                    <a:p>
+                      <a:pPr algn="ctr"/>
+                      <a:r>
+                        <a:rPr lang="en-US" dirty="0" smtClean="0"/>
+                        <a:t>6.7067e-04</a:t>
+                      </a:r>
+                      <a:endParaRPr lang="en-US" dirty="0"/>
+                    </a:p>
+                  </a:txBody>
+                  <a:tcPr anchor="ctr"/>
+                </a:tc>
+                <a:tc>
+                  <a:txBody>
+                    <a:bodyPr/>
+                    <a:lstStyle/>
+                    <a:p>
+                      <a:pPr algn="ctr"/>
+                      <a:r>
+                        <a:rPr lang="en-US" dirty="0" smtClean="0"/>
+                        <a:t>4.9193e-04</a:t>
+                      </a:r>
+                      <a:endParaRPr lang="en-US" dirty="0"/>
+                    </a:p>
+                  </a:txBody>
+                  <a:tcPr anchor="ctr"/>
+                </a:tc>
+                <a:tc>
+                  <a:txBody>
+                    <a:bodyPr/>
+                    <a:lstStyle/>
+                    <a:p>
+                      <a:pPr algn="ctr"/>
+                      <a:r>
+                        <a:rPr lang="en-US" dirty="0" smtClean="0"/>
+                        <a:t>-</a:t>
+                      </a:r>
+                      <a:endParaRPr lang="en-US" dirty="0"/>
+                    </a:p>
+                  </a:txBody>
+                  <a:tcPr anchor="ctr"/>
+                </a:tc>
+              </a:tr>
+              <a:tr h="370840">
+                <a:tc>
+                  <a:txBody>
+                    <a:bodyPr/>
+                    <a:lstStyle/>
+                    <a:p>
+                      <a:pPr algn="ctr"/>
+                      <a:r>
+                        <a:rPr lang="en-US" dirty="0" smtClean="0"/>
+                        <a:t>Linear / Gradual PCs</a:t>
+                      </a:r>
+                      <a:endParaRPr lang="en-US" dirty="0"/>
+                    </a:p>
+                  </a:txBody>
+                  <a:tcPr anchor="ctr"/>
+                </a:tc>
+                <a:tc>
+                  <a:txBody>
+                    <a:bodyPr/>
+                    <a:lstStyle/>
+                    <a:p>
+                      <a:pPr algn="ctr"/>
+                      <a:r>
+                        <a:rPr lang="en-US" dirty="0" smtClean="0"/>
+                        <a:t>6.2866e-04</a:t>
+                      </a:r>
+                      <a:endParaRPr lang="en-US" dirty="0"/>
+                    </a:p>
+                  </a:txBody>
+                  <a:tcPr anchor="ctr"/>
+                </a:tc>
+                <a:tc>
+                  <a:txBody>
+                    <a:bodyPr/>
+                    <a:lstStyle/>
+                    <a:p>
+                      <a:pPr algn="ctr"/>
+                      <a:r>
+                        <a:rPr lang="en-US" dirty="0" smtClean="0"/>
+                        <a:t>3.0724e-04</a:t>
+                      </a:r>
+                      <a:endParaRPr lang="en-US" dirty="0"/>
+                    </a:p>
+                  </a:txBody>
+                  <a:tcPr anchor="ctr"/>
+                </a:tc>
+                <a:tc>
+                  <a:txBody>
+                    <a:bodyPr/>
+                    <a:lstStyle/>
+                    <a:p>
+                      <a:pPr algn="ctr"/>
+                      <a:r>
+                        <a:rPr lang="en-US" dirty="0" smtClean="0"/>
+                        <a:t>#PC</a:t>
+                      </a:r>
+                      <a:r>
+                        <a:rPr lang="en-US" baseline="0" dirty="0" smtClean="0"/>
+                        <a:t> </a:t>
+                      </a:r>
+                      <a:r>
+                        <a:rPr lang="en-US" dirty="0" smtClean="0"/>
+                        <a:t>X : 550 ;</a:t>
+                      </a:r>
+                    </a:p>
+                    <a:p>
+                      <a:pPr algn="ctr"/>
+                      <a:r>
+                        <a:rPr lang="en-US" dirty="0" smtClean="0"/>
+                        <a:t>#PC</a:t>
+                      </a:r>
+                      <a:r>
+                        <a:rPr lang="en-US" baseline="0" dirty="0" smtClean="0"/>
+                        <a:t> Y : 500</a:t>
+                      </a:r>
+                      <a:endParaRPr lang="en-US" dirty="0"/>
+                    </a:p>
+                  </a:txBody>
+                  <a:tcPr anchor="ctr"/>
+                </a:tc>
+              </a:tr>
+              <a:tr h="370840">
+                <a:tc>
+                  <a:txBody>
+                    <a:bodyPr/>
+                    <a:lstStyle/>
+                    <a:p>
+                      <a:pPr algn="ctr"/>
+                      <a:r>
+                        <a:rPr lang="en-US" dirty="0" smtClean="0"/>
+                        <a:t>2</a:t>
+                      </a:r>
+                      <a:r>
+                        <a:rPr lang="en-US" baseline="30000" dirty="0" smtClean="0"/>
+                        <a:t>nd</a:t>
+                      </a:r>
+                      <a:r>
+                        <a:rPr lang="en-US" baseline="0" dirty="0" smtClean="0"/>
+                        <a:t> Order / Gradual PCs</a:t>
+                      </a:r>
+                      <a:endParaRPr lang="en-US" dirty="0"/>
+                    </a:p>
+                  </a:txBody>
+                  <a:tcPr anchor="ctr"/>
+                </a:tc>
+                <a:tc>
+                  <a:txBody>
+                    <a:bodyPr/>
+                    <a:lstStyle/>
+                    <a:p>
+                      <a:pPr algn="ctr"/>
+                      <a:r>
+                        <a:rPr lang="en-US" dirty="0" smtClean="0"/>
+                        <a:t> 6.2849e-04</a:t>
+                      </a:r>
+                      <a:endParaRPr lang="en-US" dirty="0"/>
+                    </a:p>
+                  </a:txBody>
+                  <a:tcPr anchor="ctr"/>
+                </a:tc>
+                <a:tc>
+                  <a:txBody>
+                    <a:bodyPr/>
+                    <a:lstStyle/>
+                    <a:p>
+                      <a:pPr algn="ctr"/>
+                      <a:r>
+                        <a:rPr lang="en-US" dirty="0" smtClean="0"/>
+                        <a:t>3.0910e-04</a:t>
+                      </a:r>
+                      <a:endParaRPr lang="en-US" dirty="0"/>
+                    </a:p>
+                  </a:txBody>
+                  <a:tcPr anchor="ctr"/>
+                </a:tc>
+                <a:tc>
+                  <a:txBody>
+                    <a:bodyPr/>
+                    <a:lstStyle/>
+                    <a:p>
+                      <a:pPr marL="0" marR="0" indent="0" algn="ctr" defTabSz="914400" rtl="0" eaLnBrk="1" fontAlgn="auto" latinLnBrk="0" hangingPunct="1">
+                        <a:lnSpc>
+                          <a:spcPct val="100000"/>
+                        </a:lnSpc>
+                        <a:spcBef>
+                          <a:spcPts val="0"/>
+                        </a:spcBef>
+                        <a:spcAft>
+                          <a:spcPts val="0"/>
+                        </a:spcAft>
+                        <a:buClrTx/>
+                        <a:buSzTx/>
+                        <a:buFontTx/>
+                        <a:buNone/>
+                        <a:tabLst/>
+                        <a:defRPr/>
+                      </a:pPr>
+                      <a:r>
+                        <a:rPr lang="en-US" dirty="0" smtClean="0"/>
+                        <a:t>#PC</a:t>
+                      </a:r>
+                      <a:r>
+                        <a:rPr lang="en-US" baseline="0" dirty="0" smtClean="0"/>
+                        <a:t> </a:t>
+                      </a:r>
+                      <a:r>
+                        <a:rPr lang="en-US" dirty="0" smtClean="0"/>
+                        <a:t>X : 550</a:t>
+                      </a:r>
+                      <a:r>
+                        <a:rPr lang="en-US" baseline="0" dirty="0" smtClean="0"/>
+                        <a:t> </a:t>
+                      </a:r>
+                      <a:r>
+                        <a:rPr lang="en-US" dirty="0" smtClean="0"/>
+                        <a:t>;</a:t>
+                      </a:r>
+                    </a:p>
+                    <a:p>
+                      <a:pPr marL="0" marR="0" indent="0" algn="ctr" defTabSz="914400" rtl="0" eaLnBrk="1" fontAlgn="auto" latinLnBrk="0" hangingPunct="1">
+                        <a:lnSpc>
+                          <a:spcPct val="100000"/>
+                        </a:lnSpc>
+                        <a:spcBef>
+                          <a:spcPts val="0"/>
+                        </a:spcBef>
+                        <a:spcAft>
+                          <a:spcPts val="0"/>
+                        </a:spcAft>
+                        <a:buClrTx/>
+                        <a:buSzTx/>
+                        <a:buFontTx/>
+                        <a:buNone/>
+                        <a:tabLst/>
+                        <a:defRPr/>
+                      </a:pPr>
+                      <a:r>
+                        <a:rPr lang="en-US" dirty="0" smtClean="0"/>
+                        <a:t>#PC</a:t>
+                      </a:r>
+                      <a:r>
+                        <a:rPr lang="en-US" baseline="0" dirty="0" smtClean="0"/>
+                        <a:t> Y :</a:t>
+                      </a:r>
+                      <a:r>
+                        <a:rPr lang="en-US" dirty="0" smtClean="0"/>
+                        <a:t> 500</a:t>
+                      </a:r>
+                    </a:p>
+                  </a:txBody>
+                  <a:tcPr anchor="ctr"/>
+                </a:tc>
+              </a:tr>
+              <a:tr h="370840">
+                <a:tc>
+                  <a:txBody>
+                    <a:bodyPr/>
+                    <a:lstStyle/>
+                    <a:p>
+                      <a:pPr algn="ctr"/>
+                      <a:r>
+                        <a:rPr lang="en-US" dirty="0" smtClean="0"/>
+                        <a:t>Standard</a:t>
+                      </a:r>
+                      <a:endParaRPr lang="en-US" dirty="0"/>
+                    </a:p>
+                  </a:txBody>
+                  <a:tcPr anchor="ctr"/>
+                </a:tc>
+                <a:tc>
+                  <a:txBody>
+                    <a:bodyPr/>
+                    <a:lstStyle/>
+                    <a:p>
+                      <a:pPr algn="ctr"/>
+                      <a:r>
+                        <a:rPr lang="en-US" dirty="0" smtClean="0"/>
+                        <a:t>8.8000e-03</a:t>
+                      </a:r>
+                      <a:endParaRPr lang="en-US" dirty="0"/>
+                    </a:p>
+                  </a:txBody>
+                  <a:tcPr anchor="ctr"/>
+                </a:tc>
+                <a:tc>
+                  <a:txBody>
+                    <a:bodyPr/>
+                    <a:lstStyle/>
+                    <a:p>
+                      <a:pPr algn="ctr"/>
+                      <a:r>
+                        <a:rPr lang="en-US" dirty="0" smtClean="0"/>
+                        <a:t>7.1000e.03</a:t>
+                      </a:r>
+                      <a:endParaRPr lang="en-US" dirty="0"/>
+                    </a:p>
+                  </a:txBody>
+                  <a:tcPr anchor="ctr"/>
+                </a:tc>
+                <a:tc>
+                  <a:txBody>
+                    <a:bodyPr/>
+                    <a:lstStyle/>
+                    <a:p>
+                      <a:pPr algn="ctr"/>
+                      <a:r>
+                        <a:rPr lang="en-US" dirty="0" smtClean="0"/>
+                        <a:t>-</a:t>
+                      </a:r>
+                      <a:endParaRPr lang="en-US" dirty="0"/>
+                    </a:p>
+                  </a:txBody>
+                  <a:tcPr anchor="ctr"/>
+                </a:tc>
+              </a:tr>
+              <a:tr h="370840">
+                <a:tc>
+                  <a:txBody>
+                    <a:bodyPr/>
+                    <a:lstStyle/>
+                    <a:p>
+                      <a:pPr algn="ctr"/>
+                      <a:r>
+                        <a:rPr lang="en-US" dirty="0" smtClean="0"/>
+                        <a:t>LASSO</a:t>
+                      </a:r>
+                      <a:endParaRPr lang="en-US" dirty="0"/>
+                    </a:p>
+                  </a:txBody>
+                  <a:tcPr anchor="ctr"/>
+                </a:tc>
+                <a:tc>
+                  <a:txBody>
+                    <a:bodyPr/>
+                    <a:lstStyle/>
+                    <a:p>
+                      <a:pPr algn="ctr"/>
+                      <a:r>
+                        <a:rPr lang="en-US" dirty="0" smtClean="0"/>
+                        <a:t>6.8829e-04</a:t>
+                      </a:r>
+                      <a:endParaRPr lang="en-US" dirty="0"/>
+                    </a:p>
+                  </a:txBody>
+                  <a:tcPr anchor="ctr"/>
+                </a:tc>
+                <a:tc>
+                  <a:txBody>
+                    <a:bodyPr/>
+                    <a:lstStyle/>
+                    <a:p>
+                      <a:pPr algn="ctr"/>
+                      <a:r>
+                        <a:rPr lang="en-US" dirty="0" smtClean="0"/>
+                        <a:t>3.7789e-04</a:t>
+                      </a:r>
+                      <a:endParaRPr lang="en-US" dirty="0"/>
+                    </a:p>
+                  </a:txBody>
+                  <a:tcPr anchor="ctr"/>
+                </a:tc>
+                <a:tc>
+                  <a:txBody>
+                    <a:bodyPr/>
+                    <a:lstStyle/>
+                    <a:p>
+                      <a:pPr algn="ctr"/>
+                      <a:r>
+                        <a:rPr lang="el-GR" dirty="0" smtClean="0"/>
+                        <a:t>α</a:t>
+                      </a:r>
+                      <a:r>
+                        <a:rPr lang="en-US" baseline="-25000" dirty="0" smtClean="0"/>
+                        <a:t>X</a:t>
+                      </a:r>
+                      <a:r>
+                        <a:rPr lang="en-US" dirty="0" smtClean="0"/>
+                        <a:t> = </a:t>
+                      </a:r>
+                      <a:r>
+                        <a:rPr lang="el-GR" dirty="0" smtClean="0"/>
+                        <a:t>α</a:t>
+                      </a:r>
+                      <a:r>
+                        <a:rPr lang="en-US" baseline="-25000" dirty="0" smtClean="0"/>
+                        <a:t>Y</a:t>
+                      </a:r>
+                      <a:r>
+                        <a:rPr lang="en-US" dirty="0" smtClean="0"/>
+                        <a:t> = 1 ;</a:t>
+                      </a:r>
+                    </a:p>
+                    <a:p>
+                      <a:pPr algn="ctr"/>
+                      <a:r>
+                        <a:rPr lang="el-GR" dirty="0" smtClean="0"/>
+                        <a:t>λ</a:t>
+                      </a:r>
+                      <a:r>
+                        <a:rPr lang="en-US" baseline="-25000" dirty="0" smtClean="0"/>
+                        <a:t>X</a:t>
+                      </a:r>
+                      <a:r>
+                        <a:rPr lang="en-US" dirty="0" smtClean="0"/>
+                        <a:t> = </a:t>
+                      </a:r>
+                      <a:r>
+                        <a:rPr lang="el-GR" dirty="0" smtClean="0"/>
+                        <a:t>λ</a:t>
+                      </a:r>
+                      <a:r>
+                        <a:rPr lang="en-US" baseline="-25000" dirty="0" smtClean="0"/>
+                        <a:t>Y</a:t>
+                      </a:r>
+                      <a:r>
+                        <a:rPr lang="en-US" dirty="0" smtClean="0"/>
+                        <a:t>= </a:t>
+                      </a:r>
+                      <a:r>
+                        <a:rPr lang="en-US" dirty="0" smtClean="0"/>
+                        <a:t>10</a:t>
+                      </a:r>
+                      <a:r>
+                        <a:rPr lang="en-US" baseline="30000" dirty="0" smtClean="0"/>
+                        <a:t>th</a:t>
+                      </a:r>
+                      <a:endParaRPr lang="en-US" baseline="30000" dirty="0"/>
+                    </a:p>
+                  </a:txBody>
+                  <a:tcPr anchor="ctr"/>
+                </a:tc>
+              </a:tr>
+              <a:tr h="370840">
+                <a:tc>
+                  <a:txBody>
+                    <a:bodyPr/>
+                    <a:lstStyle/>
+                    <a:p>
+                      <a:pPr algn="ctr"/>
+                      <a:r>
+                        <a:rPr lang="en-US" dirty="0" smtClean="0"/>
+                        <a:t>Elastic Nets /</a:t>
+                      </a:r>
+                    </a:p>
+                    <a:p>
+                      <a:pPr algn="ctr"/>
+                      <a:r>
+                        <a:rPr lang="el-GR" dirty="0" smtClean="0"/>
+                        <a:t>α</a:t>
+                      </a:r>
+                      <a:r>
+                        <a:rPr lang="en-US" dirty="0" smtClean="0"/>
+                        <a:t> fixed</a:t>
+                      </a:r>
+                      <a:endParaRPr lang="en-US" dirty="0"/>
+                    </a:p>
+                  </a:txBody>
+                  <a:tcPr anchor="ctr"/>
+                </a:tc>
+                <a:tc>
+                  <a:txBody>
+                    <a:bodyPr/>
+                    <a:lstStyle/>
+                    <a:p>
+                      <a:pPr algn="ctr"/>
+                      <a:r>
+                        <a:rPr lang="en-US" dirty="0" smtClean="0"/>
+                        <a:t>7.1852e-04</a:t>
+                      </a:r>
+                      <a:endParaRPr lang="en-US" dirty="0"/>
+                    </a:p>
+                  </a:txBody>
+                  <a:tcPr anchor="ctr"/>
+                </a:tc>
+                <a:tc>
+                  <a:txBody>
+                    <a:bodyPr/>
+                    <a:lstStyle/>
+                    <a:p>
+                      <a:pPr algn="ctr"/>
+                      <a:r>
+                        <a:rPr lang="en-US" dirty="0" smtClean="0"/>
+                        <a:t>3.9708e-04</a:t>
+                      </a:r>
+                      <a:endParaRPr lang="en-US" dirty="0"/>
+                    </a:p>
+                  </a:txBody>
+                  <a:tcPr anchor="ctr"/>
+                </a:tc>
+                <a:tc>
+                  <a:txBody>
+                    <a:bodyPr/>
+                    <a:lstStyle/>
+                    <a:p>
+                      <a:pPr algn="ctr"/>
+                      <a:r>
+                        <a:rPr lang="el-GR" dirty="0" smtClean="0"/>
+                        <a:t>α</a:t>
+                      </a:r>
+                      <a:r>
+                        <a:rPr lang="en-US" baseline="-25000" dirty="0" smtClean="0"/>
+                        <a:t>X</a:t>
+                      </a:r>
+                      <a:r>
+                        <a:rPr lang="en-US" dirty="0" smtClean="0"/>
+                        <a:t> = </a:t>
+                      </a:r>
+                      <a:r>
+                        <a:rPr lang="el-GR" dirty="0" smtClean="0"/>
+                        <a:t>α</a:t>
+                      </a:r>
+                      <a:r>
+                        <a:rPr lang="en-US" baseline="-25000" dirty="0" smtClean="0"/>
+                        <a:t>Y</a:t>
+                      </a:r>
+                      <a:r>
+                        <a:rPr lang="en-US" dirty="0" smtClean="0"/>
+                        <a:t> = 0.5 ;</a:t>
+                      </a:r>
+                    </a:p>
+                    <a:p>
+                      <a:pPr algn="ctr"/>
+                      <a:r>
+                        <a:rPr lang="el-GR" dirty="0" smtClean="0"/>
+                        <a:t>λ</a:t>
+                      </a:r>
+                      <a:r>
+                        <a:rPr lang="en-US" baseline="-25000" dirty="0" smtClean="0"/>
+                        <a:t>X</a:t>
+                      </a:r>
+                      <a:r>
+                        <a:rPr lang="en-US" dirty="0" smtClean="0"/>
+                        <a:t> = </a:t>
+                      </a:r>
+                      <a:r>
+                        <a:rPr lang="el-GR" dirty="0" smtClean="0"/>
+                        <a:t>λ</a:t>
+                      </a:r>
+                      <a:r>
+                        <a:rPr lang="en-US" baseline="-25000" dirty="0" smtClean="0"/>
+                        <a:t>Y</a:t>
+                      </a:r>
+                      <a:r>
+                        <a:rPr lang="en-US" dirty="0" smtClean="0"/>
+                        <a:t>= 10</a:t>
+                      </a:r>
+                      <a:r>
+                        <a:rPr lang="en-US" baseline="30000" dirty="0" smtClean="0"/>
+                        <a:t>th</a:t>
+                      </a:r>
+                      <a:r>
+                        <a:rPr lang="en-US" dirty="0" smtClean="0"/>
+                        <a:t> </a:t>
+                      </a:r>
+                      <a:endParaRPr lang="en-US" dirty="0"/>
+                    </a:p>
+                  </a:txBody>
+                  <a:tcPr anchor="ctr"/>
+                </a:tc>
+              </a:tr>
+              <a:tr h="370840">
+                <a:tc>
+                  <a:txBody>
+                    <a:bodyPr/>
+                    <a:lstStyle/>
+                    <a:p>
+                      <a:pPr algn="ctr"/>
+                      <a:r>
+                        <a:rPr lang="en-US" dirty="0" smtClean="0"/>
+                        <a:t>Elastic Nets /</a:t>
+                      </a:r>
+                    </a:p>
+                    <a:p>
+                      <a:pPr algn="ctr"/>
+                      <a:r>
+                        <a:rPr lang="el-GR" dirty="0" smtClean="0"/>
+                        <a:t>α</a:t>
+                      </a:r>
+                      <a:r>
+                        <a:rPr lang="en-US" dirty="0" smtClean="0"/>
+                        <a:t> optimized</a:t>
+                      </a:r>
+                    </a:p>
+                  </a:txBody>
+                  <a:tcPr anchor="ctr"/>
+                </a:tc>
+                <a:tc>
+                  <a:txBody>
+                    <a:bodyPr/>
+                    <a:lstStyle/>
+                    <a:p>
+                      <a:pPr algn="ctr"/>
+                      <a:r>
+                        <a:rPr lang="en-US" dirty="0" smtClean="0"/>
+                        <a:t>7.0574e-04</a:t>
+                      </a:r>
+                      <a:endParaRPr lang="en-US" dirty="0"/>
+                    </a:p>
+                  </a:txBody>
+                  <a:tcPr anchor="ctr"/>
+                </a:tc>
+                <a:tc>
+                  <a:txBody>
+                    <a:bodyPr/>
+                    <a:lstStyle/>
+                    <a:p>
+                      <a:pPr algn="ctr"/>
+                      <a:r>
+                        <a:rPr lang="en-US" dirty="0" smtClean="0"/>
+                        <a:t>3.7826e-04</a:t>
+                      </a:r>
+                      <a:endParaRPr lang="en-US" dirty="0"/>
+                    </a:p>
+                  </a:txBody>
+                  <a:tcPr anchor="ctr"/>
+                </a:tc>
+                <a:tc>
+                  <a:txBody>
+                    <a:bodyPr/>
+                    <a:lstStyle/>
+                    <a:p>
+                      <a:pPr algn="ctr"/>
+                      <a:r>
+                        <a:rPr lang="el-GR" dirty="0" smtClean="0"/>
+                        <a:t>α</a:t>
+                      </a:r>
+                      <a:r>
+                        <a:rPr lang="en-US" baseline="-25000" dirty="0" smtClean="0"/>
+                        <a:t>X</a:t>
+                      </a:r>
+                      <a:r>
+                        <a:rPr lang="en-US" dirty="0" smtClean="0"/>
+                        <a:t> = 0.7, </a:t>
+                      </a:r>
+                      <a:r>
+                        <a:rPr lang="el-GR" dirty="0" smtClean="0"/>
+                        <a:t>α</a:t>
+                      </a:r>
+                      <a:r>
+                        <a:rPr lang="en-US" baseline="-25000" dirty="0" smtClean="0"/>
+                        <a:t>Y</a:t>
+                      </a:r>
+                      <a:r>
+                        <a:rPr lang="en-US" dirty="0" smtClean="0"/>
+                        <a:t> = 0.2 ;</a:t>
+                      </a:r>
+                    </a:p>
+                    <a:p>
+                      <a:pPr algn="ctr"/>
+                      <a:r>
+                        <a:rPr lang="el-GR" dirty="0" smtClean="0"/>
+                        <a:t>λ</a:t>
+                      </a:r>
+                      <a:r>
+                        <a:rPr lang="en-US" baseline="-25000" dirty="0" smtClean="0"/>
+                        <a:t>X</a:t>
+                      </a:r>
+                      <a:r>
+                        <a:rPr lang="en-US" dirty="0" smtClean="0"/>
+                        <a:t> = 10</a:t>
+                      </a:r>
+                      <a:r>
+                        <a:rPr lang="en-US" baseline="30000" dirty="0" smtClean="0"/>
+                        <a:t>th, </a:t>
+                      </a:r>
+                      <a:r>
+                        <a:rPr lang="el-GR" dirty="0" smtClean="0"/>
+                        <a:t>λ</a:t>
+                      </a:r>
+                      <a:r>
+                        <a:rPr lang="en-US" baseline="-25000" dirty="0" smtClean="0"/>
+                        <a:t>Y</a:t>
+                      </a:r>
+                      <a:r>
+                        <a:rPr lang="en-US" dirty="0" smtClean="0"/>
+                        <a:t>= 11</a:t>
+                      </a:r>
+                      <a:r>
+                        <a:rPr lang="en-US" baseline="30000" dirty="0" smtClean="0"/>
+                        <a:t>th</a:t>
+                      </a:r>
+                      <a:r>
+                        <a:rPr lang="en-US" dirty="0" smtClean="0"/>
+                        <a:t> </a:t>
+                      </a:r>
+                    </a:p>
+                    <a:p>
+                      <a:pPr algn="ctr"/>
+                      <a:endParaRPr lang="en-US" dirty="0"/>
+                    </a:p>
+                  </a:txBody>
+                  <a:tcPr anchor="ctr"/>
+                </a:tc>
+              </a:tr>
+            </a:tbl>
+          </a:graphicData>
+        </a:graphic>
+      </p:graphicFrame>
+    </p:spTree>
+  </p:cSld>
+  <p:clrMapOvr>
+    <a:masterClrMapping/>
+  </p:clrMapOvr>
+</p:sld>
+</file>
+
 <file path=ppt/theme/theme1.xml><?xml version="1.0" encoding="utf-8"?>
 <a:theme xmlns:a="http://schemas.openxmlformats.org/drawingml/2006/main" name="Office Theme">
   <a:themeElements>
